--- a/project/BM_BURONIUS_2025.pptx
+++ b/project/BM_BURONIUS_2025.pptx
@@ -5,7 +5,7 @@
     <p:sldMasterId id="2147483648" r:id="rId1"/>
   </p:sldMasterIdLst>
   <p:notesMasterIdLst>
-    <p:notesMasterId r:id="rId14"/>
+    <p:notesMasterId r:id="rId17"/>
   </p:notesMasterIdLst>
   <p:sldIdLst>
     <p:sldId id="259" r:id="rId2"/>
@@ -18,8 +18,11 @@
     <p:sldId id="266" r:id="rId9"/>
     <p:sldId id="267" r:id="rId10"/>
     <p:sldId id="268" r:id="rId11"/>
-    <p:sldId id="269" r:id="rId12"/>
-    <p:sldId id="270" r:id="rId13"/>
+    <p:sldId id="271" r:id="rId12"/>
+    <p:sldId id="272" r:id="rId13"/>
+    <p:sldId id="273" r:id="rId14"/>
+    <p:sldId id="269" r:id="rId15"/>
+    <p:sldId id="270" r:id="rId16"/>
   </p:sldIdLst>
   <p:sldSz cx="12192000" cy="6858000"/>
   <p:notesSz cx="6858000" cy="9144000"/>
@@ -219,7 +222,7 @@
           <a:p>
             <a:fld id="{BD1F3EEB-3894-4C23-B899-4D9DE24E49CE}" type="datetimeFigureOut">
               <a:rPr lang="en-US" smtClean="0"/>
-              <a:t>5/16/2025</a:t>
+              <a:t>5/19/2025</a:t>
             </a:fld>
             <a:endParaRPr lang="en-US"/>
           </a:p>
@@ -668,6 +671,356 @@
 </p:notes>
 </file>
 
+<file path=ppt/notesSlides/notesSlide10.xml><?xml version="1.0" encoding="utf-8"?>
+<p:notes xmlns:a="http://schemas.openxmlformats.org/drawingml/2006/main" xmlns:r="http://schemas.openxmlformats.org/officeDocument/2006/relationships" xmlns:p="http://schemas.openxmlformats.org/presentationml/2006/main">
+  <p:cSld>
+    <p:spTree>
+      <p:nvGrpSpPr>
+        <p:cNvPr id="1" name="">
+          <a:extLst>
+            <a:ext uri="{FF2B5EF4-FFF2-40B4-BE49-F238E27FC236}">
+              <a16:creationId xmlns:a16="http://schemas.microsoft.com/office/drawing/2014/main" id="{8AE5B648-EB4A-250D-220E-5B73C85625DC}"/>
+            </a:ext>
+          </a:extLst>
+        </p:cNvPr>
+        <p:cNvGrpSpPr/>
+        <p:nvPr/>
+      </p:nvGrpSpPr>
+      <p:grpSpPr>
+        <a:xfrm>
+          <a:off x="0" y="0"/>
+          <a:ext cx="0" cy="0"/>
+          <a:chOff x="0" y="0"/>
+          <a:chExt cx="0" cy="0"/>
+        </a:xfrm>
+      </p:grpSpPr>
+      <p:sp>
+        <p:nvSpPr>
+          <p:cNvPr id="2" name="Slide Image Placeholder 1">
+            <a:extLst>
+              <a:ext uri="{FF2B5EF4-FFF2-40B4-BE49-F238E27FC236}">
+                <a16:creationId xmlns:a16="http://schemas.microsoft.com/office/drawing/2014/main" id="{D5998E06-005F-AAA7-C704-EE702047DBBC}"/>
+              </a:ext>
+            </a:extLst>
+          </p:cNvPr>
+          <p:cNvSpPr>
+            <a:spLocks noGrp="1" noRot="1" noChangeAspect="1"/>
+          </p:cNvSpPr>
+          <p:nvPr>
+            <p:ph type="sldImg"/>
+          </p:nvPr>
+        </p:nvSpPr>
+        <p:spPr/>
+      </p:sp>
+      <p:sp>
+        <p:nvSpPr>
+          <p:cNvPr id="3" name="Notes Placeholder 2">
+            <a:extLst>
+              <a:ext uri="{FF2B5EF4-FFF2-40B4-BE49-F238E27FC236}">
+                <a16:creationId xmlns:a16="http://schemas.microsoft.com/office/drawing/2014/main" id="{5FAB59AE-38B7-5307-2B59-465B6FA7AC35}"/>
+              </a:ext>
+            </a:extLst>
+          </p:cNvPr>
+          <p:cNvSpPr>
+            <a:spLocks noGrp="1"/>
+          </p:cNvSpPr>
+          <p:nvPr>
+            <p:ph type="body" idx="1"/>
+          </p:nvPr>
+        </p:nvSpPr>
+        <p:spPr/>
+        <p:txBody>
+          <a:bodyPr/>
+          <a:lstStyle/>
+          <a:p>
+            <a:pPr rtl="0">
+              <a:buFont typeface="Arial" panose="020B0604020202020204" pitchFamily="34" charset="0"/>
+              <a:buChar char="•"/>
+            </a:pPr>
+            <a:r>
+              <a:rPr lang="pt-BR" b="1" dirty="0"/>
+              <a:t>Estimativa Mínima</a:t>
+            </a:r>
+            <a:r>
+              <a:rPr lang="pt-BR" dirty="0"/>
+              <a:t>:</a:t>
+            </a:r>
+          </a:p>
+          <a:p>
+            <a:pPr marL="742950" lvl="1" indent="-285750" rtl="0">
+              <a:buFont typeface="Arial" panose="020B0604020202020204" pitchFamily="34" charset="0"/>
+              <a:buChar char="•"/>
+            </a:pPr>
+            <a:r>
+              <a:rPr lang="pt-BR" dirty="0"/>
+              <a:t>US$ 10 milhões (destilação) + US$ 5 milhões (HDT) + US$ 2,5 milhões (armazenamento) + US$ 2 milhões (utilidades) + US$ 1 milhão (eficiência) + US$ 2 milhões (biocombustíveis) + US$ 1 milhão (manutenção) + US$ 1 milhão (segurança) = </a:t>
+            </a:r>
+            <a:r>
+              <a:rPr lang="pt-BR" b="1" dirty="0"/>
+              <a:t>US$ 24,5 milhões</a:t>
+            </a:r>
+            <a:r>
+              <a:rPr lang="pt-BR" dirty="0"/>
+              <a:t>.</a:t>
+            </a:r>
+          </a:p>
+          <a:p>
+            <a:pPr rtl="0">
+              <a:buFont typeface="Arial" panose="020B0604020202020204" pitchFamily="34" charset="0"/>
+              <a:buChar char="•"/>
+            </a:pPr>
+            <a:r>
+              <a:rPr lang="pt-BR" b="1" dirty="0"/>
+              <a:t>Estimativa Máxima</a:t>
+            </a:r>
+            <a:r>
+              <a:rPr lang="pt-BR" dirty="0"/>
+              <a:t>:</a:t>
+            </a:r>
+          </a:p>
+          <a:p>
+            <a:pPr marL="742950" lvl="1" indent="-285750" rtl="0">
+              <a:buFont typeface="Arial" panose="020B0604020202020204" pitchFamily="34" charset="0"/>
+              <a:buChar char="•"/>
+            </a:pPr>
+            <a:r>
+              <a:rPr lang="pt-BR" dirty="0"/>
+              <a:t>US$ 15 milhões (destilação) + US$ 8 milhões (HDT) + US$ 3,5 milhões (armazenamento) + US$ 3,5 milhões (utilidades) + US$ 2 milhões (eficiência) + US$ 3 milhões (biocombustíveis) + US$ 2 milhões (manutenção) + US$ 1,5 milhões (segurança) = </a:t>
+            </a:r>
+            <a:r>
+              <a:rPr lang="pt-BR" b="1" dirty="0"/>
+              <a:t>US$ 38,5 milhões</a:t>
+            </a:r>
+            <a:r>
+              <a:rPr lang="pt-BR" dirty="0"/>
+              <a:t>.</a:t>
+            </a:r>
+          </a:p>
+          <a:p>
+            <a:endParaRPr lang="en-US" dirty="0"/>
+          </a:p>
+          <a:p>
+            <a:endParaRPr lang="en-US" dirty="0"/>
+          </a:p>
+        </p:txBody>
+      </p:sp>
+      <p:sp>
+        <p:nvSpPr>
+          <p:cNvPr id="4" name="Slide Number Placeholder 3">
+            <a:extLst>
+              <a:ext uri="{FF2B5EF4-FFF2-40B4-BE49-F238E27FC236}">
+                <a16:creationId xmlns:a16="http://schemas.microsoft.com/office/drawing/2014/main" id="{32370A28-E111-88A2-6E04-BD1779DE9865}"/>
+              </a:ext>
+            </a:extLst>
+          </p:cNvPr>
+          <p:cNvSpPr>
+            <a:spLocks noGrp="1"/>
+          </p:cNvSpPr>
+          <p:nvPr>
+            <p:ph type="sldNum" sz="quarter" idx="5"/>
+          </p:nvPr>
+        </p:nvSpPr>
+        <p:spPr/>
+        <p:txBody>
+          <a:bodyPr/>
+          <a:lstStyle/>
+          <a:p>
+            <a:fld id="{3F0E9E04-4302-4661-841E-CBBFFE53E0F5}" type="slidenum">
+              <a:rPr lang="en-US" smtClean="0"/>
+              <a:t>13</a:t>
+            </a:fld>
+            <a:endParaRPr lang="en-US"/>
+          </a:p>
+        </p:txBody>
+      </p:sp>
+    </p:spTree>
+    <p:extLst>
+      <p:ext uri="{BB962C8B-B14F-4D97-AF65-F5344CB8AC3E}">
+        <p14:creationId xmlns:p14="http://schemas.microsoft.com/office/powerpoint/2010/main" val="1692663423"/>
+      </p:ext>
+    </p:extLst>
+  </p:cSld>
+  <p:clrMapOvr>
+    <a:masterClrMapping/>
+  </p:clrMapOvr>
+</p:notes>
+</file>
+
+<file path=ppt/notesSlides/notesSlide11.xml><?xml version="1.0" encoding="utf-8"?>
+<p:notes xmlns:a="http://schemas.openxmlformats.org/drawingml/2006/main" xmlns:r="http://schemas.openxmlformats.org/officeDocument/2006/relationships" xmlns:p="http://schemas.openxmlformats.org/presentationml/2006/main">
+  <p:cSld>
+    <p:spTree>
+      <p:nvGrpSpPr>
+        <p:cNvPr id="1" name="">
+          <a:extLst>
+            <a:ext uri="{FF2B5EF4-FFF2-40B4-BE49-F238E27FC236}">
+              <a16:creationId xmlns:a16="http://schemas.microsoft.com/office/drawing/2014/main" id="{18FD26B6-421E-4006-402E-ADEABEF5381A}"/>
+            </a:ext>
+          </a:extLst>
+        </p:cNvPr>
+        <p:cNvGrpSpPr/>
+        <p:nvPr/>
+      </p:nvGrpSpPr>
+      <p:grpSpPr>
+        <a:xfrm>
+          <a:off x="0" y="0"/>
+          <a:ext cx="0" cy="0"/>
+          <a:chOff x="0" y="0"/>
+          <a:chExt cx="0" cy="0"/>
+        </a:xfrm>
+      </p:grpSpPr>
+      <p:sp>
+        <p:nvSpPr>
+          <p:cNvPr id="2" name="Slide Image Placeholder 1">
+            <a:extLst>
+              <a:ext uri="{FF2B5EF4-FFF2-40B4-BE49-F238E27FC236}">
+                <a16:creationId xmlns:a16="http://schemas.microsoft.com/office/drawing/2014/main" id="{C93D1EE5-968B-0008-ADF5-9A84E962AA1F}"/>
+              </a:ext>
+            </a:extLst>
+          </p:cNvPr>
+          <p:cNvSpPr>
+            <a:spLocks noGrp="1" noRot="1" noChangeAspect="1"/>
+          </p:cNvSpPr>
+          <p:nvPr>
+            <p:ph type="sldImg"/>
+          </p:nvPr>
+        </p:nvSpPr>
+        <p:spPr/>
+      </p:sp>
+      <p:sp>
+        <p:nvSpPr>
+          <p:cNvPr id="3" name="Notes Placeholder 2">
+            <a:extLst>
+              <a:ext uri="{FF2B5EF4-FFF2-40B4-BE49-F238E27FC236}">
+                <a16:creationId xmlns:a16="http://schemas.microsoft.com/office/drawing/2014/main" id="{66B6EF87-CEFE-BF4A-A641-2196231295EC}"/>
+              </a:ext>
+            </a:extLst>
+          </p:cNvPr>
+          <p:cNvSpPr>
+            <a:spLocks noGrp="1"/>
+          </p:cNvSpPr>
+          <p:nvPr>
+            <p:ph type="body" idx="1"/>
+          </p:nvPr>
+        </p:nvSpPr>
+        <p:spPr/>
+        <p:txBody>
+          <a:bodyPr/>
+          <a:lstStyle/>
+          <a:p>
+            <a:pPr rtl="0">
+              <a:buFont typeface="Arial" panose="020B0604020202020204" pitchFamily="34" charset="0"/>
+              <a:buChar char="•"/>
+            </a:pPr>
+            <a:r>
+              <a:rPr lang="pt-BR" b="1" dirty="0"/>
+              <a:t>Estimativa Mínima</a:t>
+            </a:r>
+            <a:r>
+              <a:rPr lang="pt-BR" dirty="0"/>
+              <a:t>:</a:t>
+            </a:r>
+          </a:p>
+          <a:p>
+            <a:pPr marL="742950" lvl="1" indent="-285750" rtl="0">
+              <a:buFont typeface="Arial" panose="020B0604020202020204" pitchFamily="34" charset="0"/>
+              <a:buChar char="•"/>
+            </a:pPr>
+            <a:r>
+              <a:rPr lang="pt-BR" dirty="0"/>
+              <a:t>US$ 10 milhões (destilação) + US$ 5 milhões (HDT) + US$ 2,5 milhões (armazenamento) + US$ 2 milhões (utilidades) + US$ 1 milhão (eficiência) + US$ 2 milhões (biocombustíveis) + US$ 1 milhão (manutenção) + US$ 1 milhão (segurança) = </a:t>
+            </a:r>
+            <a:r>
+              <a:rPr lang="pt-BR" b="1" dirty="0"/>
+              <a:t>US$ 24,5 milhões</a:t>
+            </a:r>
+            <a:r>
+              <a:rPr lang="pt-BR" dirty="0"/>
+              <a:t>.</a:t>
+            </a:r>
+          </a:p>
+          <a:p>
+            <a:pPr rtl="0">
+              <a:buFont typeface="Arial" panose="020B0604020202020204" pitchFamily="34" charset="0"/>
+              <a:buChar char="•"/>
+            </a:pPr>
+            <a:r>
+              <a:rPr lang="pt-BR" b="1" dirty="0"/>
+              <a:t>Estimativa Máxima</a:t>
+            </a:r>
+            <a:r>
+              <a:rPr lang="pt-BR" dirty="0"/>
+              <a:t>:</a:t>
+            </a:r>
+          </a:p>
+          <a:p>
+            <a:pPr marL="742950" lvl="1" indent="-285750" rtl="0">
+              <a:buFont typeface="Arial" panose="020B0604020202020204" pitchFamily="34" charset="0"/>
+              <a:buChar char="•"/>
+            </a:pPr>
+            <a:r>
+              <a:rPr lang="pt-BR" dirty="0"/>
+              <a:t>US$ 15 milhões (destilação) + US$ 8 milhões (HDT) + US$ 3,5 milhões (armazenamento) + US$ 3,5 milhões (utilidades) + US$ 2 milhões (eficiência) + US$ 3 milhões (biocombustíveis) + US$ 2 milhões (manutenção) + US$ 1,5 milhões (segurança) = </a:t>
+            </a:r>
+            <a:r>
+              <a:rPr lang="pt-BR" b="1" dirty="0"/>
+              <a:t>US$ 38,5 milhões</a:t>
+            </a:r>
+            <a:r>
+              <a:rPr lang="pt-BR" dirty="0"/>
+              <a:t>.</a:t>
+            </a:r>
+          </a:p>
+          <a:p>
+            <a:endParaRPr lang="en-US" dirty="0"/>
+          </a:p>
+          <a:p>
+            <a:endParaRPr lang="en-US" dirty="0"/>
+          </a:p>
+        </p:txBody>
+      </p:sp>
+      <p:sp>
+        <p:nvSpPr>
+          <p:cNvPr id="4" name="Slide Number Placeholder 3">
+            <a:extLst>
+              <a:ext uri="{FF2B5EF4-FFF2-40B4-BE49-F238E27FC236}">
+                <a16:creationId xmlns:a16="http://schemas.microsoft.com/office/drawing/2014/main" id="{F6A4DC0D-BCEB-4B3D-AB64-D18BC8B73628}"/>
+              </a:ext>
+            </a:extLst>
+          </p:cNvPr>
+          <p:cNvSpPr>
+            <a:spLocks noGrp="1"/>
+          </p:cNvSpPr>
+          <p:nvPr>
+            <p:ph type="sldNum" sz="quarter" idx="5"/>
+          </p:nvPr>
+        </p:nvSpPr>
+        <p:spPr/>
+        <p:txBody>
+          <a:bodyPr/>
+          <a:lstStyle/>
+          <a:p>
+            <a:fld id="{3F0E9E04-4302-4661-841E-CBBFFE53E0F5}" type="slidenum">
+              <a:rPr lang="en-US" smtClean="0"/>
+              <a:t>14</a:t>
+            </a:fld>
+            <a:endParaRPr lang="en-US"/>
+          </a:p>
+        </p:txBody>
+      </p:sp>
+    </p:spTree>
+    <p:extLst>
+      <p:ext uri="{BB962C8B-B14F-4D97-AF65-F5344CB8AC3E}">
+        <p14:creationId xmlns:p14="http://schemas.microsoft.com/office/powerpoint/2010/main" val="1344999069"/>
+      </p:ext>
+    </p:extLst>
+  </p:cSld>
+  <p:clrMapOvr>
+    <a:masterClrMapping/>
+  </p:clrMapOvr>
+</p:notes>
+</file>
+
 <file path=ppt/notesSlides/notesSlide2.xml><?xml version="1.0" encoding="utf-8"?>
 <p:notes xmlns:a="http://schemas.openxmlformats.org/drawingml/2006/main" xmlns:r="http://schemas.openxmlformats.org/officeDocument/2006/relationships" xmlns:p="http://schemas.openxmlformats.org/presentationml/2006/main">
   <p:cSld>
@@ -2050,7 +2403,7 @@
         <p:cNvPr id="1" name="">
           <a:extLst>
             <a:ext uri="{FF2B5EF4-FFF2-40B4-BE49-F238E27FC236}">
-              <a16:creationId xmlns:a16="http://schemas.microsoft.com/office/drawing/2014/main" id="{18FD26B6-421E-4006-402E-ADEABEF5381A}"/>
+              <a16:creationId xmlns:a16="http://schemas.microsoft.com/office/drawing/2014/main" id="{C964E16C-1AFA-6A49-CC2E-2569D83268F7}"/>
             </a:ext>
           </a:extLst>
         </p:cNvPr>
@@ -2070,7 +2423,7 @@
           <p:cNvPr id="2" name="Slide Image Placeholder 1">
             <a:extLst>
               <a:ext uri="{FF2B5EF4-FFF2-40B4-BE49-F238E27FC236}">
-                <a16:creationId xmlns:a16="http://schemas.microsoft.com/office/drawing/2014/main" id="{C93D1EE5-968B-0008-ADF5-9A84E962AA1F}"/>
+                <a16:creationId xmlns:a16="http://schemas.microsoft.com/office/drawing/2014/main" id="{9BEA1597-0645-38FD-B601-BC71F7F03A69}"/>
               </a:ext>
             </a:extLst>
           </p:cNvPr>
@@ -2088,7 +2441,7 @@
           <p:cNvPr id="3" name="Notes Placeholder 2">
             <a:extLst>
               <a:ext uri="{FF2B5EF4-FFF2-40B4-BE49-F238E27FC236}">
-                <a16:creationId xmlns:a16="http://schemas.microsoft.com/office/drawing/2014/main" id="{66B6EF87-CEFE-BF4A-A641-2196231295EC}"/>
+                <a16:creationId xmlns:a16="http://schemas.microsoft.com/office/drawing/2014/main" id="{3778F91A-ED1C-141A-3B81-86F3989103B5}"/>
               </a:ext>
             </a:extLst>
           </p:cNvPr>
@@ -2180,7 +2533,7 @@
           <p:cNvPr id="4" name="Slide Number Placeholder 3">
             <a:extLst>
               <a:ext uri="{FF2B5EF4-FFF2-40B4-BE49-F238E27FC236}">
-                <a16:creationId xmlns:a16="http://schemas.microsoft.com/office/drawing/2014/main" id="{F6A4DC0D-BCEB-4B3D-AB64-D18BC8B73628}"/>
+                <a16:creationId xmlns:a16="http://schemas.microsoft.com/office/drawing/2014/main" id="{01CBB414-8BB0-41CC-9ECB-AB0A74BE6C8C}"/>
               </a:ext>
             </a:extLst>
           </p:cNvPr>
@@ -2207,7 +2560,182 @@
     </p:spTree>
     <p:extLst>
       <p:ext uri="{BB962C8B-B14F-4D97-AF65-F5344CB8AC3E}">
-        <p14:creationId xmlns:p14="http://schemas.microsoft.com/office/powerpoint/2010/main" val="1344999069"/>
+        <p14:creationId xmlns:p14="http://schemas.microsoft.com/office/powerpoint/2010/main" val="3163081531"/>
+      </p:ext>
+    </p:extLst>
+  </p:cSld>
+  <p:clrMapOvr>
+    <a:masterClrMapping/>
+  </p:clrMapOvr>
+</p:notes>
+</file>
+
+<file path=ppt/notesSlides/notesSlide9.xml><?xml version="1.0" encoding="utf-8"?>
+<p:notes xmlns:a="http://schemas.openxmlformats.org/drawingml/2006/main" xmlns:r="http://schemas.openxmlformats.org/officeDocument/2006/relationships" xmlns:p="http://schemas.openxmlformats.org/presentationml/2006/main">
+  <p:cSld>
+    <p:spTree>
+      <p:nvGrpSpPr>
+        <p:cNvPr id="1" name="">
+          <a:extLst>
+            <a:ext uri="{FF2B5EF4-FFF2-40B4-BE49-F238E27FC236}">
+              <a16:creationId xmlns:a16="http://schemas.microsoft.com/office/drawing/2014/main" id="{6F37833F-879B-CBC3-72B5-EF5AC5EAB45E}"/>
+            </a:ext>
+          </a:extLst>
+        </p:cNvPr>
+        <p:cNvGrpSpPr/>
+        <p:nvPr/>
+      </p:nvGrpSpPr>
+      <p:grpSpPr>
+        <a:xfrm>
+          <a:off x="0" y="0"/>
+          <a:ext cx="0" cy="0"/>
+          <a:chOff x="0" y="0"/>
+          <a:chExt cx="0" cy="0"/>
+        </a:xfrm>
+      </p:grpSpPr>
+      <p:sp>
+        <p:nvSpPr>
+          <p:cNvPr id="2" name="Slide Image Placeholder 1">
+            <a:extLst>
+              <a:ext uri="{FF2B5EF4-FFF2-40B4-BE49-F238E27FC236}">
+                <a16:creationId xmlns:a16="http://schemas.microsoft.com/office/drawing/2014/main" id="{58E525CF-474B-B5E1-70A5-3630FCBF2B25}"/>
+              </a:ext>
+            </a:extLst>
+          </p:cNvPr>
+          <p:cNvSpPr>
+            <a:spLocks noGrp="1" noRot="1" noChangeAspect="1"/>
+          </p:cNvSpPr>
+          <p:nvPr>
+            <p:ph type="sldImg"/>
+          </p:nvPr>
+        </p:nvSpPr>
+        <p:spPr/>
+      </p:sp>
+      <p:sp>
+        <p:nvSpPr>
+          <p:cNvPr id="3" name="Notes Placeholder 2">
+            <a:extLst>
+              <a:ext uri="{FF2B5EF4-FFF2-40B4-BE49-F238E27FC236}">
+                <a16:creationId xmlns:a16="http://schemas.microsoft.com/office/drawing/2014/main" id="{75462727-307B-E474-B002-780D454C19FD}"/>
+              </a:ext>
+            </a:extLst>
+          </p:cNvPr>
+          <p:cNvSpPr>
+            <a:spLocks noGrp="1"/>
+          </p:cNvSpPr>
+          <p:nvPr>
+            <p:ph type="body" idx="1"/>
+          </p:nvPr>
+        </p:nvSpPr>
+        <p:spPr/>
+        <p:txBody>
+          <a:bodyPr/>
+          <a:lstStyle/>
+          <a:p>
+            <a:pPr rtl="0">
+              <a:buFont typeface="Arial" panose="020B0604020202020204" pitchFamily="34" charset="0"/>
+              <a:buChar char="•"/>
+            </a:pPr>
+            <a:r>
+              <a:rPr lang="pt-BR" b="1" dirty="0"/>
+              <a:t>Estimativa Mínima</a:t>
+            </a:r>
+            <a:r>
+              <a:rPr lang="pt-BR" dirty="0"/>
+              <a:t>:</a:t>
+            </a:r>
+          </a:p>
+          <a:p>
+            <a:pPr marL="742950" lvl="1" indent="-285750" rtl="0">
+              <a:buFont typeface="Arial" panose="020B0604020202020204" pitchFamily="34" charset="0"/>
+              <a:buChar char="•"/>
+            </a:pPr>
+            <a:r>
+              <a:rPr lang="pt-BR" dirty="0"/>
+              <a:t>US$ 10 milhões (destilação) + US$ 5 milhões (HDT) + US$ 2,5 milhões (armazenamento) + US$ 2 milhões (utilidades) + US$ 1 milhão (eficiência) + US$ 2 milhões (biocombustíveis) + US$ 1 milhão (manutenção) + US$ 1 milhão (segurança) = </a:t>
+            </a:r>
+            <a:r>
+              <a:rPr lang="pt-BR" b="1" dirty="0"/>
+              <a:t>US$ 24,5 milhões</a:t>
+            </a:r>
+            <a:r>
+              <a:rPr lang="pt-BR" dirty="0"/>
+              <a:t>.</a:t>
+            </a:r>
+          </a:p>
+          <a:p>
+            <a:pPr rtl="0">
+              <a:buFont typeface="Arial" panose="020B0604020202020204" pitchFamily="34" charset="0"/>
+              <a:buChar char="•"/>
+            </a:pPr>
+            <a:r>
+              <a:rPr lang="pt-BR" b="1" dirty="0"/>
+              <a:t>Estimativa Máxima</a:t>
+            </a:r>
+            <a:r>
+              <a:rPr lang="pt-BR" dirty="0"/>
+              <a:t>:</a:t>
+            </a:r>
+          </a:p>
+          <a:p>
+            <a:pPr marL="742950" lvl="1" indent="-285750" rtl="0">
+              <a:buFont typeface="Arial" panose="020B0604020202020204" pitchFamily="34" charset="0"/>
+              <a:buChar char="•"/>
+            </a:pPr>
+            <a:r>
+              <a:rPr lang="pt-BR" dirty="0"/>
+              <a:t>US$ 15 milhões (destilação) + US$ 8 milhões (HDT) + US$ 3,5 milhões (armazenamento) + US$ 3,5 milhões (utilidades) + US$ 2 milhões (eficiência) + US$ 3 milhões (biocombustíveis) + US$ 2 milhões (manutenção) + US$ 1,5 milhões (segurança) = </a:t>
+            </a:r>
+            <a:r>
+              <a:rPr lang="pt-BR" b="1" dirty="0"/>
+              <a:t>US$ 38,5 milhões</a:t>
+            </a:r>
+            <a:r>
+              <a:rPr lang="pt-BR" dirty="0"/>
+              <a:t>.</a:t>
+            </a:r>
+          </a:p>
+          <a:p>
+            <a:endParaRPr lang="en-US" dirty="0"/>
+          </a:p>
+          <a:p>
+            <a:endParaRPr lang="en-US" dirty="0"/>
+          </a:p>
+        </p:txBody>
+      </p:sp>
+      <p:sp>
+        <p:nvSpPr>
+          <p:cNvPr id="4" name="Slide Number Placeholder 3">
+            <a:extLst>
+              <a:ext uri="{FF2B5EF4-FFF2-40B4-BE49-F238E27FC236}">
+                <a16:creationId xmlns:a16="http://schemas.microsoft.com/office/drawing/2014/main" id="{189EB0DB-09D0-106A-B37B-9592D4F05DA9}"/>
+              </a:ext>
+            </a:extLst>
+          </p:cNvPr>
+          <p:cNvSpPr>
+            <a:spLocks noGrp="1"/>
+          </p:cNvSpPr>
+          <p:nvPr>
+            <p:ph type="sldNum" sz="quarter" idx="5"/>
+          </p:nvPr>
+        </p:nvSpPr>
+        <p:spPr/>
+        <p:txBody>
+          <a:bodyPr/>
+          <a:lstStyle/>
+          <a:p>
+            <a:fld id="{3F0E9E04-4302-4661-841E-CBBFFE53E0F5}" type="slidenum">
+              <a:rPr lang="en-US" smtClean="0"/>
+              <a:t>12</a:t>
+            </a:fld>
+            <a:endParaRPr lang="en-US"/>
+          </a:p>
+        </p:txBody>
+      </p:sp>
+    </p:spTree>
+    <p:extLst>
+      <p:ext uri="{BB962C8B-B14F-4D97-AF65-F5344CB8AC3E}">
+        <p14:creationId xmlns:p14="http://schemas.microsoft.com/office/powerpoint/2010/main" val="4028405865"/>
       </p:ext>
     </p:extLst>
   </p:cSld>
@@ -2364,7 +2892,7 @@
           <a:p>
             <a:fld id="{2CA77B43-9D81-4BCA-BF5B-1E880D4BFBC8}" type="datetimeFigureOut">
               <a:rPr lang="en-US" smtClean="0"/>
-              <a:t>5/16/2025</a:t>
+              <a:t>5/19/2025</a:t>
             </a:fld>
             <a:endParaRPr lang="en-US"/>
           </a:p>
@@ -2562,7 +3090,7 @@
           <a:p>
             <a:fld id="{2CA77B43-9D81-4BCA-BF5B-1E880D4BFBC8}" type="datetimeFigureOut">
               <a:rPr lang="en-US" smtClean="0"/>
-              <a:t>5/16/2025</a:t>
+              <a:t>5/19/2025</a:t>
             </a:fld>
             <a:endParaRPr lang="en-US"/>
           </a:p>
@@ -2770,7 +3298,7 @@
           <a:p>
             <a:fld id="{2CA77B43-9D81-4BCA-BF5B-1E880D4BFBC8}" type="datetimeFigureOut">
               <a:rPr lang="en-US" smtClean="0"/>
-              <a:t>5/16/2025</a:t>
+              <a:t>5/19/2025</a:t>
             </a:fld>
             <a:endParaRPr lang="en-US"/>
           </a:p>
@@ -2968,7 +3496,7 @@
           <a:p>
             <a:fld id="{2CA77B43-9D81-4BCA-BF5B-1E880D4BFBC8}" type="datetimeFigureOut">
               <a:rPr lang="en-US" smtClean="0"/>
-              <a:t>5/16/2025</a:t>
+              <a:t>5/19/2025</a:t>
             </a:fld>
             <a:endParaRPr lang="en-US"/>
           </a:p>
@@ -3243,7 +3771,7 @@
           <a:p>
             <a:fld id="{2CA77B43-9D81-4BCA-BF5B-1E880D4BFBC8}" type="datetimeFigureOut">
               <a:rPr lang="en-US" smtClean="0"/>
-              <a:t>5/16/2025</a:t>
+              <a:t>5/19/2025</a:t>
             </a:fld>
             <a:endParaRPr lang="en-US"/>
           </a:p>
@@ -3508,7 +4036,7 @@
           <a:p>
             <a:fld id="{2CA77B43-9D81-4BCA-BF5B-1E880D4BFBC8}" type="datetimeFigureOut">
               <a:rPr lang="en-US" smtClean="0"/>
-              <a:t>5/16/2025</a:t>
+              <a:t>5/19/2025</a:t>
             </a:fld>
             <a:endParaRPr lang="en-US"/>
           </a:p>
@@ -3920,7 +4448,7 @@
           <a:p>
             <a:fld id="{2CA77B43-9D81-4BCA-BF5B-1E880D4BFBC8}" type="datetimeFigureOut">
               <a:rPr lang="en-US" smtClean="0"/>
-              <a:t>5/16/2025</a:t>
+              <a:t>5/19/2025</a:t>
             </a:fld>
             <a:endParaRPr lang="en-US"/>
           </a:p>
@@ -4061,7 +4589,7 @@
           <a:p>
             <a:fld id="{2CA77B43-9D81-4BCA-BF5B-1E880D4BFBC8}" type="datetimeFigureOut">
               <a:rPr lang="en-US" smtClean="0"/>
-              <a:t>5/16/2025</a:t>
+              <a:t>5/19/2025</a:t>
             </a:fld>
             <a:endParaRPr lang="en-US"/>
           </a:p>
@@ -4174,7 +4702,7 @@
           <a:p>
             <a:fld id="{2CA77B43-9D81-4BCA-BF5B-1E880D4BFBC8}" type="datetimeFigureOut">
               <a:rPr lang="en-US" smtClean="0"/>
-              <a:t>5/16/2025</a:t>
+              <a:t>5/19/2025</a:t>
             </a:fld>
             <a:endParaRPr lang="en-US"/>
           </a:p>
@@ -4485,7 +5013,7 @@
           <a:p>
             <a:fld id="{2CA77B43-9D81-4BCA-BF5B-1E880D4BFBC8}" type="datetimeFigureOut">
               <a:rPr lang="en-US" smtClean="0"/>
-              <a:t>5/16/2025</a:t>
+              <a:t>5/19/2025</a:t>
             </a:fld>
             <a:endParaRPr lang="en-US"/>
           </a:p>
@@ -4773,7 +5301,7 @@
           <a:p>
             <a:fld id="{2CA77B43-9D81-4BCA-BF5B-1E880D4BFBC8}" type="datetimeFigureOut">
               <a:rPr lang="en-US" smtClean="0"/>
-              <a:t>5/16/2025</a:t>
+              <a:t>5/19/2025</a:t>
             </a:fld>
             <a:endParaRPr lang="en-US"/>
           </a:p>
@@ -5014,7 +5542,7 @@
           <a:p>
             <a:fld id="{2CA77B43-9D81-4BCA-BF5B-1E880D4BFBC8}" type="datetimeFigureOut">
               <a:rPr lang="en-US" smtClean="0"/>
-              <a:t>5/16/2025</a:t>
+              <a:t>5/19/2025</a:t>
             </a:fld>
             <a:endParaRPr lang="en-US"/>
           </a:p>
@@ -5644,6 +6172,477 @@
         <p:cNvPr id="1" name="">
           <a:extLst>
             <a:ext uri="{FF2B5EF4-FFF2-40B4-BE49-F238E27FC236}">
+              <a16:creationId xmlns:a16="http://schemas.microsoft.com/office/drawing/2014/main" id="{E78C4432-A6F3-FBE1-72A1-542D9CA391C6}"/>
+            </a:ext>
+          </a:extLst>
+        </p:cNvPr>
+        <p:cNvGrpSpPr/>
+        <p:nvPr/>
+      </p:nvGrpSpPr>
+      <p:grpSpPr>
+        <a:xfrm>
+          <a:off x="0" y="0"/>
+          <a:ext cx="0" cy="0"/>
+          <a:chOff x="0" y="0"/>
+          <a:chExt cx="0" cy="0"/>
+        </a:xfrm>
+      </p:grpSpPr>
+      <p:pic>
+        <p:nvPicPr>
+          <p:cNvPr id="4" name="Picture 3" descr="A black background with a black square&#10;&#10;AI-generated content may be incorrect.">
+            <a:extLst>
+              <a:ext uri="{FF2B5EF4-FFF2-40B4-BE49-F238E27FC236}">
+                <a16:creationId xmlns:a16="http://schemas.microsoft.com/office/drawing/2014/main" id="{0C9D6680-F4A8-D98C-F9E1-70CEE24F4F02}"/>
+              </a:ext>
+            </a:extLst>
+          </p:cNvPr>
+          <p:cNvPicPr>
+            <a:picLocks noChangeAspect="1"/>
+          </p:cNvPicPr>
+          <p:nvPr/>
+        </p:nvPicPr>
+        <p:blipFill>
+          <a:blip r:embed="rId3">
+            <a:extLst>
+              <a:ext uri="{28A0092B-C50C-407E-A947-70E740481C1C}">
+                <a14:useLocalDpi xmlns:a14="http://schemas.microsoft.com/office/drawing/2010/main" val="0"/>
+              </a:ext>
+            </a:extLst>
+          </a:blip>
+          <a:stretch>
+            <a:fillRect/>
+          </a:stretch>
+        </p:blipFill>
+        <p:spPr>
+          <a:xfrm>
+            <a:off x="8312693" y="182519"/>
+            <a:ext cx="3804907" cy="979765"/>
+          </a:xfrm>
+          <a:prstGeom prst="rect">
+            <a:avLst/>
+          </a:prstGeom>
+        </p:spPr>
+      </p:pic>
+      <p:sp>
+        <p:nvSpPr>
+          <p:cNvPr id="2" name="TextBox 1">
+            <a:extLst>
+              <a:ext uri="{FF2B5EF4-FFF2-40B4-BE49-F238E27FC236}">
+                <a16:creationId xmlns:a16="http://schemas.microsoft.com/office/drawing/2014/main" id="{6DF89825-9E1D-BF49-B3F1-D20E2C28A286}"/>
+              </a:ext>
+            </a:extLst>
+          </p:cNvPr>
+          <p:cNvSpPr txBox="1"/>
+          <p:nvPr/>
+        </p:nvSpPr>
+        <p:spPr>
+          <a:xfrm>
+            <a:off x="130220" y="262965"/>
+            <a:ext cx="6611774" cy="646331"/>
+          </a:xfrm>
+          <a:prstGeom prst="rect">
+            <a:avLst/>
+          </a:prstGeom>
+          <a:noFill/>
+        </p:spPr>
+        <p:txBody>
+          <a:bodyPr wrap="square" rtlCol="0">
+            <a:spAutoFit/>
+          </a:bodyPr>
+          <a:lstStyle/>
+          <a:p>
+            <a:r>
+              <a:rPr lang="pt-BR" sz="3600" b="1" dirty="0">
+                <a:latin typeface="Hurme Geometric Sans 1" panose="020B0400020000000000" pitchFamily="34" charset="0"/>
+              </a:rPr>
+              <a:t>ANÁLISE – DEMANDA GASOLINA</a:t>
+            </a:r>
+          </a:p>
+        </p:txBody>
+      </p:sp>
+      <p:pic>
+        <p:nvPicPr>
+          <p:cNvPr id="1026" name="Picture 2" descr="Image generated by Grok">
+            <a:extLst>
+              <a:ext uri="{FF2B5EF4-FFF2-40B4-BE49-F238E27FC236}">
+                <a16:creationId xmlns:a16="http://schemas.microsoft.com/office/drawing/2014/main" id="{4F556062-79EB-6DA0-0012-D615322F6A82}"/>
+              </a:ext>
+            </a:extLst>
+          </p:cNvPr>
+          <p:cNvPicPr>
+            <a:picLocks noChangeAspect="1" noChangeArrowheads="1"/>
+          </p:cNvPicPr>
+          <p:nvPr/>
+        </p:nvPicPr>
+        <p:blipFill>
+          <a:blip r:embed="rId4">
+            <a:extLst>
+              <a:ext uri="{28A0092B-C50C-407E-A947-70E740481C1C}">
+                <a14:useLocalDpi xmlns:a14="http://schemas.microsoft.com/office/drawing/2010/main" val="0"/>
+              </a:ext>
+            </a:extLst>
+          </a:blip>
+          <a:srcRect/>
+          <a:stretch>
+            <a:fillRect/>
+          </a:stretch>
+        </p:blipFill>
+        <p:spPr bwMode="auto">
+          <a:xfrm>
+            <a:off x="0" y="1162284"/>
+            <a:ext cx="12192000" cy="5224463"/>
+          </a:xfrm>
+          <a:prstGeom prst="rect">
+            <a:avLst/>
+          </a:prstGeom>
+          <a:noFill/>
+          <a:extLst>
+            <a:ext uri="{909E8E84-426E-40DD-AFC4-6F175D3DCCD1}">
+              <a14:hiddenFill xmlns:a14="http://schemas.microsoft.com/office/drawing/2010/main">
+                <a:solidFill>
+                  <a:srgbClr val="FFFFFF"/>
+                </a:solidFill>
+              </a14:hiddenFill>
+            </a:ext>
+          </a:extLst>
+        </p:spPr>
+      </p:pic>
+    </p:spTree>
+    <p:extLst>
+      <p:ext uri="{BB962C8B-B14F-4D97-AF65-F5344CB8AC3E}">
+        <p14:creationId xmlns:p14="http://schemas.microsoft.com/office/powerpoint/2010/main" val="1013372751"/>
+      </p:ext>
+    </p:extLst>
+  </p:cSld>
+  <p:clrMapOvr>
+    <a:masterClrMapping/>
+  </p:clrMapOvr>
+</p:sld>
+</file>
+
+<file path=ppt/slides/slide12.xml><?xml version="1.0" encoding="utf-8"?>
+<p:sld xmlns:a="http://schemas.openxmlformats.org/drawingml/2006/main" xmlns:r="http://schemas.openxmlformats.org/officeDocument/2006/relationships" xmlns:p="http://schemas.openxmlformats.org/presentationml/2006/main">
+  <p:cSld>
+    <p:spTree>
+      <p:nvGrpSpPr>
+        <p:cNvPr id="1" name="">
+          <a:extLst>
+            <a:ext uri="{FF2B5EF4-FFF2-40B4-BE49-F238E27FC236}">
+              <a16:creationId xmlns:a16="http://schemas.microsoft.com/office/drawing/2014/main" id="{3572BF71-F501-F335-0F21-7A1B3544EADA}"/>
+            </a:ext>
+          </a:extLst>
+        </p:cNvPr>
+        <p:cNvGrpSpPr/>
+        <p:nvPr/>
+      </p:nvGrpSpPr>
+      <p:grpSpPr>
+        <a:xfrm>
+          <a:off x="0" y="0"/>
+          <a:ext cx="0" cy="0"/>
+          <a:chOff x="0" y="0"/>
+          <a:chExt cx="0" cy="0"/>
+        </a:xfrm>
+      </p:grpSpPr>
+      <p:pic>
+        <p:nvPicPr>
+          <p:cNvPr id="4" name="Picture 3" descr="A black background with a black square&#10;&#10;AI-generated content may be incorrect.">
+            <a:extLst>
+              <a:ext uri="{FF2B5EF4-FFF2-40B4-BE49-F238E27FC236}">
+                <a16:creationId xmlns:a16="http://schemas.microsoft.com/office/drawing/2014/main" id="{219E0D14-E96D-37A7-B647-DD34FA536C50}"/>
+              </a:ext>
+            </a:extLst>
+          </p:cNvPr>
+          <p:cNvPicPr>
+            <a:picLocks noChangeAspect="1"/>
+          </p:cNvPicPr>
+          <p:nvPr/>
+        </p:nvPicPr>
+        <p:blipFill>
+          <a:blip r:embed="rId3">
+            <a:extLst>
+              <a:ext uri="{28A0092B-C50C-407E-A947-70E740481C1C}">
+                <a14:useLocalDpi xmlns:a14="http://schemas.microsoft.com/office/drawing/2010/main" val="0"/>
+              </a:ext>
+            </a:extLst>
+          </a:blip>
+          <a:stretch>
+            <a:fillRect/>
+          </a:stretch>
+        </p:blipFill>
+        <p:spPr>
+          <a:xfrm>
+            <a:off x="8312693" y="182519"/>
+            <a:ext cx="3804907" cy="979765"/>
+          </a:xfrm>
+          <a:prstGeom prst="rect">
+            <a:avLst/>
+          </a:prstGeom>
+        </p:spPr>
+      </p:pic>
+      <p:pic>
+        <p:nvPicPr>
+          <p:cNvPr id="2050" name="Picture 2" descr="Image generated by Grok">
+            <a:extLst>
+              <a:ext uri="{FF2B5EF4-FFF2-40B4-BE49-F238E27FC236}">
+                <a16:creationId xmlns:a16="http://schemas.microsoft.com/office/drawing/2014/main" id="{75C0C749-4771-6AFE-8369-1451FADF9C40}"/>
+              </a:ext>
+            </a:extLst>
+          </p:cNvPr>
+          <p:cNvPicPr>
+            <a:picLocks noChangeAspect="1" noChangeArrowheads="1"/>
+          </p:cNvPicPr>
+          <p:nvPr/>
+        </p:nvPicPr>
+        <p:blipFill>
+          <a:blip r:embed="rId4">
+            <a:extLst>
+              <a:ext uri="{28A0092B-C50C-407E-A947-70E740481C1C}">
+                <a14:useLocalDpi xmlns:a14="http://schemas.microsoft.com/office/drawing/2010/main" val="0"/>
+              </a:ext>
+            </a:extLst>
+          </a:blip>
+          <a:srcRect/>
+          <a:stretch>
+            <a:fillRect/>
+          </a:stretch>
+        </p:blipFill>
+        <p:spPr bwMode="auto">
+          <a:xfrm>
+            <a:off x="0" y="1061635"/>
+            <a:ext cx="12192000" cy="5224463"/>
+          </a:xfrm>
+          <a:prstGeom prst="rect">
+            <a:avLst/>
+          </a:prstGeom>
+          <a:noFill/>
+          <a:extLst>
+            <a:ext uri="{909E8E84-426E-40DD-AFC4-6F175D3DCCD1}">
+              <a14:hiddenFill xmlns:a14="http://schemas.microsoft.com/office/drawing/2010/main">
+                <a:solidFill>
+                  <a:srgbClr val="FFFFFF"/>
+                </a:solidFill>
+              </a14:hiddenFill>
+            </a:ext>
+          </a:extLst>
+        </p:spPr>
+      </p:pic>
+      <p:sp>
+        <p:nvSpPr>
+          <p:cNvPr id="3" name="TextBox 2">
+            <a:extLst>
+              <a:ext uri="{FF2B5EF4-FFF2-40B4-BE49-F238E27FC236}">
+                <a16:creationId xmlns:a16="http://schemas.microsoft.com/office/drawing/2014/main" id="{272AABC0-3CC2-9A20-8B1D-266C4096F7CE}"/>
+              </a:ext>
+            </a:extLst>
+          </p:cNvPr>
+          <p:cNvSpPr txBox="1"/>
+          <p:nvPr/>
+        </p:nvSpPr>
+        <p:spPr>
+          <a:xfrm>
+            <a:off x="130220" y="262965"/>
+            <a:ext cx="6611774" cy="646331"/>
+          </a:xfrm>
+          <a:prstGeom prst="rect">
+            <a:avLst/>
+          </a:prstGeom>
+          <a:noFill/>
+        </p:spPr>
+        <p:txBody>
+          <a:bodyPr wrap="square" rtlCol="0">
+            <a:spAutoFit/>
+          </a:bodyPr>
+          <a:lstStyle/>
+          <a:p>
+            <a:r>
+              <a:rPr lang="pt-BR" sz="3600" b="1" dirty="0">
+                <a:latin typeface="Hurme Geometric Sans 1" panose="020B0400020000000000" pitchFamily="34" charset="0"/>
+              </a:rPr>
+              <a:t>ANÁLISE – DEMANDA DIESEL</a:t>
+            </a:r>
+          </a:p>
+        </p:txBody>
+      </p:sp>
+    </p:spTree>
+    <p:extLst>
+      <p:ext uri="{BB962C8B-B14F-4D97-AF65-F5344CB8AC3E}">
+        <p14:creationId xmlns:p14="http://schemas.microsoft.com/office/powerpoint/2010/main" val="2967019856"/>
+      </p:ext>
+    </p:extLst>
+  </p:cSld>
+  <p:clrMapOvr>
+    <a:masterClrMapping/>
+  </p:clrMapOvr>
+</p:sld>
+</file>
+
+<file path=ppt/slides/slide13.xml><?xml version="1.0" encoding="utf-8"?>
+<p:sld xmlns:a="http://schemas.openxmlformats.org/drawingml/2006/main" xmlns:r="http://schemas.openxmlformats.org/officeDocument/2006/relationships" xmlns:p="http://schemas.openxmlformats.org/presentationml/2006/main">
+  <p:cSld>
+    <p:spTree>
+      <p:nvGrpSpPr>
+        <p:cNvPr id="1" name="">
+          <a:extLst>
+            <a:ext uri="{FF2B5EF4-FFF2-40B4-BE49-F238E27FC236}">
+              <a16:creationId xmlns:a16="http://schemas.microsoft.com/office/drawing/2014/main" id="{A775E23A-183E-D711-BC55-8FD3A70CD6C9}"/>
+            </a:ext>
+          </a:extLst>
+        </p:cNvPr>
+        <p:cNvGrpSpPr/>
+        <p:nvPr/>
+      </p:nvGrpSpPr>
+      <p:grpSpPr>
+        <a:xfrm>
+          <a:off x="0" y="0"/>
+          <a:ext cx="0" cy="0"/>
+          <a:chOff x="0" y="0"/>
+          <a:chExt cx="0" cy="0"/>
+        </a:xfrm>
+      </p:grpSpPr>
+      <p:pic>
+        <p:nvPicPr>
+          <p:cNvPr id="4" name="Picture 3" descr="A black background with a black square&#10;&#10;AI-generated content may be incorrect.">
+            <a:extLst>
+              <a:ext uri="{FF2B5EF4-FFF2-40B4-BE49-F238E27FC236}">
+                <a16:creationId xmlns:a16="http://schemas.microsoft.com/office/drawing/2014/main" id="{AC015CBF-1114-CE5D-D07D-EB7AEEBDF70C}"/>
+              </a:ext>
+            </a:extLst>
+          </p:cNvPr>
+          <p:cNvPicPr>
+            <a:picLocks noChangeAspect="1"/>
+          </p:cNvPicPr>
+          <p:nvPr/>
+        </p:nvPicPr>
+        <p:blipFill>
+          <a:blip r:embed="rId3">
+            <a:extLst>
+              <a:ext uri="{28A0092B-C50C-407E-A947-70E740481C1C}">
+                <a14:useLocalDpi xmlns:a14="http://schemas.microsoft.com/office/drawing/2010/main" val="0"/>
+              </a:ext>
+            </a:extLst>
+          </a:blip>
+          <a:stretch>
+            <a:fillRect/>
+          </a:stretch>
+        </p:blipFill>
+        <p:spPr>
+          <a:xfrm>
+            <a:off x="8312693" y="182519"/>
+            <a:ext cx="3804907" cy="979765"/>
+          </a:xfrm>
+          <a:prstGeom prst="rect">
+            <a:avLst/>
+          </a:prstGeom>
+        </p:spPr>
+      </p:pic>
+      <p:sp>
+        <p:nvSpPr>
+          <p:cNvPr id="3" name="TextBox 2">
+            <a:extLst>
+              <a:ext uri="{FF2B5EF4-FFF2-40B4-BE49-F238E27FC236}">
+                <a16:creationId xmlns:a16="http://schemas.microsoft.com/office/drawing/2014/main" id="{7E18F8DF-33D1-A61E-C9C7-6D6F4C8335E2}"/>
+              </a:ext>
+            </a:extLst>
+          </p:cNvPr>
+          <p:cNvSpPr txBox="1"/>
+          <p:nvPr/>
+        </p:nvSpPr>
+        <p:spPr>
+          <a:xfrm>
+            <a:off x="130220" y="262965"/>
+            <a:ext cx="6611774" cy="646331"/>
+          </a:xfrm>
+          <a:prstGeom prst="rect">
+            <a:avLst/>
+          </a:prstGeom>
+          <a:noFill/>
+        </p:spPr>
+        <p:txBody>
+          <a:bodyPr wrap="square" rtlCol="0">
+            <a:spAutoFit/>
+          </a:bodyPr>
+          <a:lstStyle/>
+          <a:p>
+            <a:r>
+              <a:rPr lang="pt-BR" sz="3600" b="1">
+                <a:latin typeface="Hurme Geometric Sans 1" panose="020B0400020000000000" pitchFamily="34" charset="0"/>
+              </a:rPr>
+              <a:t>ANÁLISE – DEMANDA GLP</a:t>
+            </a:r>
+            <a:endParaRPr lang="pt-BR" sz="3600" b="1" dirty="0">
+              <a:latin typeface="Hurme Geometric Sans 1" panose="020B0400020000000000" pitchFamily="34" charset="0"/>
+            </a:endParaRPr>
+          </a:p>
+        </p:txBody>
+      </p:sp>
+      <p:pic>
+        <p:nvPicPr>
+          <p:cNvPr id="4098" name="Picture 2" descr="Image generated by Grok">
+            <a:extLst>
+              <a:ext uri="{FF2B5EF4-FFF2-40B4-BE49-F238E27FC236}">
+                <a16:creationId xmlns:a16="http://schemas.microsoft.com/office/drawing/2014/main" id="{EF91E446-944C-55D5-4F11-EDE54F0CC76D}"/>
+              </a:ext>
+            </a:extLst>
+          </p:cNvPr>
+          <p:cNvPicPr>
+            <a:picLocks noChangeAspect="1" noChangeArrowheads="1"/>
+          </p:cNvPicPr>
+          <p:nvPr/>
+        </p:nvPicPr>
+        <p:blipFill>
+          <a:blip r:embed="rId4">
+            <a:extLst>
+              <a:ext uri="{28A0092B-C50C-407E-A947-70E740481C1C}">
+                <a14:useLocalDpi xmlns:a14="http://schemas.microsoft.com/office/drawing/2010/main" val="0"/>
+              </a:ext>
+            </a:extLst>
+          </a:blip>
+          <a:srcRect/>
+          <a:stretch>
+            <a:fillRect/>
+          </a:stretch>
+        </p:blipFill>
+        <p:spPr bwMode="auto">
+          <a:xfrm>
+            <a:off x="0" y="1162284"/>
+            <a:ext cx="12192000" cy="5224463"/>
+          </a:xfrm>
+          <a:prstGeom prst="rect">
+            <a:avLst/>
+          </a:prstGeom>
+          <a:noFill/>
+          <a:extLst>
+            <a:ext uri="{909E8E84-426E-40DD-AFC4-6F175D3DCCD1}">
+              <a14:hiddenFill xmlns:a14="http://schemas.microsoft.com/office/drawing/2010/main">
+                <a:solidFill>
+                  <a:srgbClr val="FFFFFF"/>
+                </a:solidFill>
+              </a14:hiddenFill>
+            </a:ext>
+          </a:extLst>
+        </p:spPr>
+      </p:pic>
+    </p:spTree>
+    <p:extLst>
+      <p:ext uri="{BB962C8B-B14F-4D97-AF65-F5344CB8AC3E}">
+        <p14:creationId xmlns:p14="http://schemas.microsoft.com/office/powerpoint/2010/main" val="3737403219"/>
+      </p:ext>
+    </p:extLst>
+  </p:cSld>
+  <p:clrMapOvr>
+    <a:masterClrMapping/>
+  </p:clrMapOvr>
+</p:sld>
+</file>
+
+<file path=ppt/slides/slide14.xml><?xml version="1.0" encoding="utf-8"?>
+<p:sld xmlns:a="http://schemas.openxmlformats.org/drawingml/2006/main" xmlns:r="http://schemas.openxmlformats.org/officeDocument/2006/relationships" xmlns:p="http://schemas.openxmlformats.org/presentationml/2006/main">
+  <p:cSld>
+    <p:spTree>
+      <p:nvGrpSpPr>
+        <p:cNvPr id="1" name="">
+          <a:extLst>
+            <a:ext uri="{FF2B5EF4-FFF2-40B4-BE49-F238E27FC236}">
               <a16:creationId xmlns:a16="http://schemas.microsoft.com/office/drawing/2014/main" id="{85F42A2C-900F-9C6A-05BF-398F670AF364}"/>
             </a:ext>
           </a:extLst>
@@ -5902,7 +6901,7 @@
 </p:sld>
 </file>
 
-<file path=ppt/slides/slide12.xml><?xml version="1.0" encoding="utf-8"?>
+<file path=ppt/slides/slide15.xml><?xml version="1.0" encoding="utf-8"?>
 <p:sld xmlns:a="http://schemas.openxmlformats.org/drawingml/2006/main" xmlns:r="http://schemas.openxmlformats.org/officeDocument/2006/relationships" xmlns:p="http://schemas.openxmlformats.org/presentationml/2006/main">
   <p:cSld>
     <p:spTree>
